--- a/Presentations/Sprint5 - Model Iteration - Erjon.pptx
+++ b/Presentations/Sprint5 - Model Iteration - Erjon.pptx
@@ -826,7 +826,7 @@
               </a:spcAft>
               <a:buNone/>
             </a:pPr>
-            <a:endParaRPr/>
+            <a:endParaRPr dirty="0"/>
           </a:p>
         </p:txBody>
       </p:sp>
@@ -1366,7 +1366,7 @@
               </a:spcAft>
               <a:buNone/>
             </a:pPr>
-            <a:endParaRPr/>
+            <a:endParaRPr dirty="0"/>
           </a:p>
         </p:txBody>
       </p:sp>
@@ -1471,7 +1471,7 @@
               <a:buNone/>
             </a:pPr>
             <a:r>
-              <a:rPr lang="en-GB"/>
+              <a:rPr lang="en-GB" dirty="0"/>
               <a:t>I would like to go back to business understanding</a:t>
             </a:r>
             <a:endParaRPr dirty="0"/>
@@ -2219,6 +2219,42 @@
             <a:noAutofit/>
           </a:bodyPr>
           <a:lstStyle/>
+          <a:p>
+            <a:pPr marL="0" marR="0" lvl="0" indent="0" algn="l" defTabSz="914400" rtl="0" eaLnBrk="1" fontAlgn="auto" latinLnBrk="0" hangingPunct="1">
+              <a:lnSpc>
+                <a:spcPct val="100000"/>
+              </a:lnSpc>
+              <a:spcBef>
+                <a:spcPts val="0"/>
+              </a:spcBef>
+              <a:spcAft>
+                <a:spcPts val="0"/>
+              </a:spcAft>
+              <a:buClr>
+                <a:srgbClr val="000000"/>
+              </a:buClr>
+              <a:buSzPts val="1100"/>
+              <a:buFont typeface="Arial"/>
+              <a:buNone/>
+              <a:tabLst/>
+              <a:defRPr/>
+            </a:pPr>
+            <a:r>
+              <a:rPr lang="en-GB" dirty="0">
+                <a:solidFill>
+                  <a:schemeClr val="tx2"/>
+                </a:solidFill>
+                <a:latin typeface="Fira Sans Condensed" panose="020B0503050000020004" pitchFamily="34" charset="0"/>
+              </a:rPr>
+              <a:t>Negative feedback is directly indicative of problems experienced by customers. Focusing on such tweets helps in pinpointing specific issues that need to be addressed.</a:t>
+            </a:r>
+            <a:endParaRPr lang="en-US" dirty="0">
+              <a:solidFill>
+                <a:schemeClr val="accent4"/>
+              </a:solidFill>
+              <a:latin typeface="Fira Sans Condensed" panose="020B0503050000020004" pitchFamily="34" charset="0"/>
+            </a:endParaRPr>
+          </a:p>
           <a:p>
             <a:pPr marL="0" lvl="0" indent="0" algn="l" rtl="0">
               <a:spcBef>
@@ -6181,7 +6217,7 @@
     <p:sldLayoutId id="2147483657" r:id="rId9"/>
     <p:sldLayoutId id="2147483658" r:id="rId10"/>
   </p:sldLayoutIdLst>
-  <p:hf sldNum="0" hdr="0" ftr="0" dt="0"/>
+  <p:hf hdr="0" dt="0"/>
   <p:txStyles>
     <p:titleStyle>
       <a:defPPr marR="0" lvl="0" algn="l" rtl="0">
@@ -7090,6 +7126,95 @@
           </a:ln>
         </p:spPr>
       </p:pic>
+      <p:sp>
+        <p:nvSpPr>
+          <p:cNvPr id="2" name="Rectangle 1">
+            <a:extLst>
+              <a:ext uri="{FF2B5EF4-FFF2-40B4-BE49-F238E27FC236}">
+                <a16:creationId xmlns:a16="http://schemas.microsoft.com/office/drawing/2014/main" id="{009373EE-2D37-8D21-3DFE-399363C28D25}"/>
+              </a:ext>
+            </a:extLst>
+          </p:cNvPr>
+          <p:cNvSpPr/>
+          <p:nvPr/>
+        </p:nvSpPr>
+        <p:spPr>
+          <a:xfrm flipV="1">
+            <a:off x="2434172" y="5085875"/>
+            <a:ext cx="4276871" cy="45719"/>
+          </a:xfrm>
+          <a:prstGeom prst="rect">
+            <a:avLst/>
+          </a:prstGeom>
+        </p:spPr>
+        <p:style>
+          <a:lnRef idx="1">
+            <a:schemeClr val="accent4"/>
+          </a:lnRef>
+          <a:fillRef idx="2">
+            <a:schemeClr val="accent4"/>
+          </a:fillRef>
+          <a:effectRef idx="1">
+            <a:schemeClr val="accent4"/>
+          </a:effectRef>
+          <a:fontRef idx="minor">
+            <a:schemeClr val="dk1"/>
+          </a:fontRef>
+        </p:style>
+        <p:txBody>
+          <a:bodyPr rtlCol="0" anchor="ctr"/>
+          <a:lstStyle/>
+          <a:p>
+            <a:pPr algn="ctr"/>
+            <a:endParaRPr lang="en-GB"/>
+          </a:p>
+        </p:txBody>
+      </p:sp>
+      <p:sp>
+        <p:nvSpPr>
+          <p:cNvPr id="3" name="Rectangle 2">
+            <a:extLst>
+              <a:ext uri="{FF2B5EF4-FFF2-40B4-BE49-F238E27FC236}">
+                <a16:creationId xmlns:a16="http://schemas.microsoft.com/office/drawing/2014/main" id="{7B32389E-05AD-A323-E1C3-E139F35C5E27}"/>
+              </a:ext>
+            </a:extLst>
+          </p:cNvPr>
+          <p:cNvSpPr/>
+          <p:nvPr/>
+        </p:nvSpPr>
+        <p:spPr>
+          <a:xfrm>
+            <a:off x="2380881" y="4998698"/>
+            <a:ext cx="106582" cy="145142"/>
+          </a:xfrm>
+          <a:prstGeom prst="rect">
+            <a:avLst/>
+          </a:prstGeom>
+          <a:ln/>
+        </p:spPr>
+        <p:style>
+          <a:lnRef idx="2">
+            <a:schemeClr val="accent2"/>
+          </a:lnRef>
+          <a:fillRef idx="1">
+            <a:schemeClr val="lt1"/>
+          </a:fillRef>
+          <a:effectRef idx="0">
+            <a:schemeClr val="accent2"/>
+          </a:effectRef>
+          <a:fontRef idx="minor">
+            <a:schemeClr val="dk1"/>
+          </a:fontRef>
+        </p:style>
+        <p:txBody>
+          <a:bodyPr rtlCol="0" anchor="ctr"/>
+          <a:lstStyle/>
+          <a:p>
+            <a:pPr algn="ctr"/>
+            <a:endParaRPr lang="en-GB"/>
+          </a:p>
+        </p:txBody>
+      </p:sp>
     </p:spTree>
   </p:cSld>
   <p:clrMapOvr>
@@ -7560,7 +7685,11 @@
           <a:p>
             <a:pPr algn="ctr"/>
             <a:r>
-              <a:rPr lang="en-GB" dirty="0"/>
+              <a:rPr lang="en-GB" dirty="0">
+                <a:solidFill>
+                  <a:srgbClr val="FFFFFF"/>
+                </a:solidFill>
+              </a:rPr>
               <a:t>Suggestion 1</a:t>
             </a:r>
           </a:p>
@@ -7614,7 +7743,11 @@
           <a:p>
             <a:pPr algn="ctr"/>
             <a:r>
-              <a:rPr lang="en-GB" dirty="0"/>
+              <a:rPr lang="en-GB" dirty="0">
+                <a:solidFill>
+                  <a:srgbClr val="FFFFFF"/>
+                </a:solidFill>
+              </a:rPr>
               <a:t>Suggestion 2</a:t>
             </a:r>
           </a:p>
@@ -7668,7 +7801,11 @@
           <a:p>
             <a:pPr algn="ctr"/>
             <a:r>
-              <a:rPr lang="en-GB" dirty="0"/>
+              <a:rPr lang="en-GB" dirty="0">
+                <a:solidFill>
+                  <a:srgbClr val="FFFFFF"/>
+                </a:solidFill>
+              </a:rPr>
               <a:t>Suggestion 3</a:t>
             </a:r>
           </a:p>
@@ -7764,6 +7901,102 @@
           </a:fontRef>
         </p:style>
       </p:cxnSp>
+      <p:sp>
+        <p:nvSpPr>
+          <p:cNvPr id="10" name="Rectangle 9">
+            <a:extLst>
+              <a:ext uri="{FF2B5EF4-FFF2-40B4-BE49-F238E27FC236}">
+                <a16:creationId xmlns:a16="http://schemas.microsoft.com/office/drawing/2014/main" id="{A914ABA0-648D-B3A8-04B9-376E911454CD}"/>
+              </a:ext>
+            </a:extLst>
+          </p:cNvPr>
+          <p:cNvSpPr/>
+          <p:nvPr/>
+        </p:nvSpPr>
+        <p:spPr>
+          <a:xfrm flipV="1">
+            <a:off x="2434172" y="5085875"/>
+            <a:ext cx="4276871" cy="45719"/>
+          </a:xfrm>
+          <a:prstGeom prst="rect">
+            <a:avLst/>
+          </a:prstGeom>
+        </p:spPr>
+        <p:style>
+          <a:lnRef idx="1">
+            <a:schemeClr val="accent4"/>
+          </a:lnRef>
+          <a:fillRef idx="2">
+            <a:schemeClr val="accent4"/>
+          </a:fillRef>
+          <a:effectRef idx="1">
+            <a:schemeClr val="accent4"/>
+          </a:effectRef>
+          <a:fontRef idx="minor">
+            <a:schemeClr val="dk1"/>
+          </a:fontRef>
+        </p:style>
+        <p:txBody>
+          <a:bodyPr rtlCol="0" anchor="ctr"/>
+          <a:lstStyle/>
+          <a:p>
+            <a:pPr algn="ctr"/>
+            <a:endParaRPr lang="en-GB"/>
+          </a:p>
+        </p:txBody>
+      </p:sp>
+      <p:sp>
+        <p:nvSpPr>
+          <p:cNvPr id="11" name="Rectangle 10">
+            <a:extLst>
+              <a:ext uri="{FF2B5EF4-FFF2-40B4-BE49-F238E27FC236}">
+                <a16:creationId xmlns:a16="http://schemas.microsoft.com/office/drawing/2014/main" id="{3EC056AB-CCEC-FBB1-F311-76340C53C4BD}"/>
+              </a:ext>
+            </a:extLst>
+          </p:cNvPr>
+          <p:cNvSpPr/>
+          <p:nvPr/>
+        </p:nvSpPr>
+        <p:spPr>
+          <a:xfrm>
+            <a:off x="5601661" y="4998698"/>
+            <a:ext cx="106582" cy="145142"/>
+          </a:xfrm>
+          <a:prstGeom prst="rect">
+            <a:avLst/>
+          </a:prstGeom>
+          <a:solidFill>
+            <a:schemeClr val="accent2"/>
+          </a:solidFill>
+          <a:ln>
+            <a:noFill/>
+          </a:ln>
+        </p:spPr>
+        <p:style>
+          <a:lnRef idx="2">
+            <a:schemeClr val="accent1">
+              <a:shade val="15000"/>
+            </a:schemeClr>
+          </a:lnRef>
+          <a:fillRef idx="1">
+            <a:schemeClr val="accent1"/>
+          </a:fillRef>
+          <a:effectRef idx="0">
+            <a:schemeClr val="accent1"/>
+          </a:effectRef>
+          <a:fontRef idx="minor">
+            <a:schemeClr val="lt1"/>
+          </a:fontRef>
+        </p:style>
+        <p:txBody>
+          <a:bodyPr rtlCol="0" anchor="ctr"/>
+          <a:lstStyle/>
+          <a:p>
+            <a:pPr algn="ctr"/>
+            <a:endParaRPr lang="en-GB"/>
+          </a:p>
+        </p:txBody>
+      </p:sp>
     </p:spTree>
     <p:extLst>
       <p:ext uri="{BB962C8B-B14F-4D97-AF65-F5344CB8AC3E}">
@@ -8581,7 +8814,11 @@
           <a:p>
             <a:pPr algn="ctr"/>
             <a:r>
-              <a:rPr lang="en-GB" dirty="0"/>
+              <a:rPr lang="en-GB" dirty="0">
+                <a:solidFill>
+                  <a:srgbClr val="FFFFFF"/>
+                </a:solidFill>
+              </a:rPr>
               <a:t>Suggestion 1</a:t>
             </a:r>
           </a:p>
@@ -8635,7 +8872,11 @@
           <a:p>
             <a:pPr algn="ctr"/>
             <a:r>
-              <a:rPr lang="en-GB" dirty="0"/>
+              <a:rPr lang="en-GB" dirty="0">
+                <a:solidFill>
+                  <a:srgbClr val="FFFFFF"/>
+                </a:solidFill>
+              </a:rPr>
               <a:t>Suggestion 2</a:t>
             </a:r>
           </a:p>
@@ -8689,7 +8930,11 @@
           <a:p>
             <a:pPr algn="ctr"/>
             <a:r>
-              <a:rPr lang="en-GB" dirty="0"/>
+              <a:rPr lang="en-GB" dirty="0">
+                <a:solidFill>
+                  <a:srgbClr val="FFFFFF"/>
+                </a:solidFill>
+              </a:rPr>
               <a:t>Suggestion 3</a:t>
             </a:r>
           </a:p>
@@ -8785,6 +9030,102 @@
           </a:fontRef>
         </p:style>
       </p:cxnSp>
+      <p:sp>
+        <p:nvSpPr>
+          <p:cNvPr id="10" name="Rectangle 9">
+            <a:extLst>
+              <a:ext uri="{FF2B5EF4-FFF2-40B4-BE49-F238E27FC236}">
+                <a16:creationId xmlns:a16="http://schemas.microsoft.com/office/drawing/2014/main" id="{50B6468A-0C50-D6B4-39F7-7B5D62E1D54A}"/>
+              </a:ext>
+            </a:extLst>
+          </p:cNvPr>
+          <p:cNvSpPr/>
+          <p:nvPr/>
+        </p:nvSpPr>
+        <p:spPr>
+          <a:xfrm flipV="1">
+            <a:off x="2434172" y="5085875"/>
+            <a:ext cx="4276871" cy="45719"/>
+          </a:xfrm>
+          <a:prstGeom prst="rect">
+            <a:avLst/>
+          </a:prstGeom>
+        </p:spPr>
+        <p:style>
+          <a:lnRef idx="1">
+            <a:schemeClr val="accent4"/>
+          </a:lnRef>
+          <a:fillRef idx="2">
+            <a:schemeClr val="accent4"/>
+          </a:fillRef>
+          <a:effectRef idx="1">
+            <a:schemeClr val="accent4"/>
+          </a:effectRef>
+          <a:fontRef idx="minor">
+            <a:schemeClr val="dk1"/>
+          </a:fontRef>
+        </p:style>
+        <p:txBody>
+          <a:bodyPr rtlCol="0" anchor="ctr"/>
+          <a:lstStyle/>
+          <a:p>
+            <a:pPr algn="ctr"/>
+            <a:endParaRPr lang="en-GB"/>
+          </a:p>
+        </p:txBody>
+      </p:sp>
+      <p:sp>
+        <p:nvSpPr>
+          <p:cNvPr id="11" name="Rectangle 10">
+            <a:extLst>
+              <a:ext uri="{FF2B5EF4-FFF2-40B4-BE49-F238E27FC236}">
+                <a16:creationId xmlns:a16="http://schemas.microsoft.com/office/drawing/2014/main" id="{D9D362C2-F2C7-CF51-259B-8C65666A156B}"/>
+              </a:ext>
+            </a:extLst>
+          </p:cNvPr>
+          <p:cNvSpPr/>
+          <p:nvPr/>
+        </p:nvSpPr>
+        <p:spPr>
+          <a:xfrm>
+            <a:off x="5960892" y="4998698"/>
+            <a:ext cx="106582" cy="145142"/>
+          </a:xfrm>
+          <a:prstGeom prst="rect">
+            <a:avLst/>
+          </a:prstGeom>
+          <a:solidFill>
+            <a:schemeClr val="accent2"/>
+          </a:solidFill>
+          <a:ln>
+            <a:noFill/>
+          </a:ln>
+        </p:spPr>
+        <p:style>
+          <a:lnRef idx="2">
+            <a:schemeClr val="accent1">
+              <a:shade val="15000"/>
+            </a:schemeClr>
+          </a:lnRef>
+          <a:fillRef idx="1">
+            <a:schemeClr val="accent1"/>
+          </a:fillRef>
+          <a:effectRef idx="0">
+            <a:schemeClr val="accent1"/>
+          </a:effectRef>
+          <a:fontRef idx="minor">
+            <a:schemeClr val="lt1"/>
+          </a:fontRef>
+        </p:style>
+        <p:txBody>
+          <a:bodyPr rtlCol="0" anchor="ctr"/>
+          <a:lstStyle/>
+          <a:p>
+            <a:pPr algn="ctr"/>
+            <a:endParaRPr lang="en-GB"/>
+          </a:p>
+        </p:txBody>
+      </p:sp>
     </p:spTree>
     <p:extLst>
       <p:ext uri="{BB962C8B-B14F-4D97-AF65-F5344CB8AC3E}">
@@ -9113,7 +9454,11 @@
           <a:p>
             <a:pPr algn="ctr"/>
             <a:r>
-              <a:rPr lang="en-GB" dirty="0"/>
+              <a:rPr lang="en-GB" dirty="0">
+                <a:solidFill>
+                  <a:srgbClr val="FFFFFF"/>
+                </a:solidFill>
+              </a:rPr>
               <a:t>Suggestion 1</a:t>
             </a:r>
           </a:p>
@@ -9167,7 +9512,11 @@
           <a:p>
             <a:pPr algn="ctr"/>
             <a:r>
-              <a:rPr lang="en-GB" dirty="0"/>
+              <a:rPr lang="en-GB" dirty="0">
+                <a:solidFill>
+                  <a:srgbClr val="FFFFFF"/>
+                </a:solidFill>
+              </a:rPr>
               <a:t>Suggestion 2</a:t>
             </a:r>
           </a:p>
@@ -9220,7 +9569,11 @@
           <a:lstStyle/>
           <a:p>
             <a:r>
-              <a:rPr lang="en-GB" sz="1000" dirty="0"/>
+              <a:rPr lang="en-GB" sz="1000" dirty="0">
+                <a:solidFill>
+                  <a:srgbClr val="FFFFFF"/>
+                </a:solidFill>
+              </a:rPr>
               <a:t>Plan phased updates of train interiors, prioritizing high-traffic routes, to address both cleanliness and modernization.</a:t>
             </a:r>
           </a:p>
@@ -9273,9 +9626,109 @@
           <a:lstStyle/>
           <a:p>
             <a:r>
-              <a:rPr lang="en-GB" sz="1000" dirty="0"/>
+              <a:rPr lang="en-GB" sz="1000" dirty="0">
+                <a:solidFill>
+                  <a:srgbClr val="FFFFFF"/>
+                </a:solidFill>
+              </a:rPr>
               <a:t>Initiate immediate, thorough cleaning of trains, focusing on toilets and overall compartment cleanliness. Establish a regular inspection routine to maintain standards.</a:t>
             </a:r>
+          </a:p>
+        </p:txBody>
+      </p:sp>
+      <p:sp>
+        <p:nvSpPr>
+          <p:cNvPr id="9" name="Rectangle 8">
+            <a:extLst>
+              <a:ext uri="{FF2B5EF4-FFF2-40B4-BE49-F238E27FC236}">
+                <a16:creationId xmlns:a16="http://schemas.microsoft.com/office/drawing/2014/main" id="{7136119C-B0E1-FD2D-0B01-389A7C40FB35}"/>
+              </a:ext>
+            </a:extLst>
+          </p:cNvPr>
+          <p:cNvSpPr/>
+          <p:nvPr/>
+        </p:nvSpPr>
+        <p:spPr>
+          <a:xfrm flipV="1">
+            <a:off x="2434172" y="5085875"/>
+            <a:ext cx="4276871" cy="45719"/>
+          </a:xfrm>
+          <a:prstGeom prst="rect">
+            <a:avLst/>
+          </a:prstGeom>
+        </p:spPr>
+        <p:style>
+          <a:lnRef idx="1">
+            <a:schemeClr val="accent4"/>
+          </a:lnRef>
+          <a:fillRef idx="2">
+            <a:schemeClr val="accent4"/>
+          </a:fillRef>
+          <a:effectRef idx="1">
+            <a:schemeClr val="accent4"/>
+          </a:effectRef>
+          <a:fontRef idx="minor">
+            <a:schemeClr val="dk1"/>
+          </a:fontRef>
+        </p:style>
+        <p:txBody>
+          <a:bodyPr rtlCol="0" anchor="ctr"/>
+          <a:lstStyle/>
+          <a:p>
+            <a:pPr algn="ctr"/>
+            <a:endParaRPr lang="en-GB"/>
+          </a:p>
+        </p:txBody>
+      </p:sp>
+      <p:sp>
+        <p:nvSpPr>
+          <p:cNvPr id="10" name="Rectangle 9">
+            <a:extLst>
+              <a:ext uri="{FF2B5EF4-FFF2-40B4-BE49-F238E27FC236}">
+                <a16:creationId xmlns:a16="http://schemas.microsoft.com/office/drawing/2014/main" id="{5F628B48-043D-48CB-E176-FB033B5C9047}"/>
+              </a:ext>
+            </a:extLst>
+          </p:cNvPr>
+          <p:cNvSpPr/>
+          <p:nvPr/>
+        </p:nvSpPr>
+        <p:spPr>
+          <a:xfrm>
+            <a:off x="6320111" y="4998698"/>
+            <a:ext cx="106582" cy="145142"/>
+          </a:xfrm>
+          <a:prstGeom prst="rect">
+            <a:avLst/>
+          </a:prstGeom>
+          <a:solidFill>
+            <a:schemeClr val="accent2"/>
+          </a:solidFill>
+          <a:ln>
+            <a:noFill/>
+          </a:ln>
+        </p:spPr>
+        <p:style>
+          <a:lnRef idx="2">
+            <a:schemeClr val="accent1">
+              <a:shade val="15000"/>
+            </a:schemeClr>
+          </a:lnRef>
+          <a:fillRef idx="1">
+            <a:schemeClr val="accent1"/>
+          </a:fillRef>
+          <a:effectRef idx="0">
+            <a:schemeClr val="accent1"/>
+          </a:effectRef>
+          <a:fontRef idx="minor">
+            <a:schemeClr val="lt1"/>
+          </a:fontRef>
+        </p:style>
+        <p:txBody>
+          <a:bodyPr rtlCol="0" anchor="ctr"/>
+          <a:lstStyle/>
+          <a:p>
+            <a:pPr algn="ctr"/>
+            <a:endParaRPr lang="en-GB"/>
           </a:p>
         </p:txBody>
       </p:sp>
@@ -9469,6 +9922,102 @@
           </a:p>
         </p:txBody>
       </p:sp>
+      <p:sp>
+        <p:nvSpPr>
+          <p:cNvPr id="7" name="Rectangle 6">
+            <a:extLst>
+              <a:ext uri="{FF2B5EF4-FFF2-40B4-BE49-F238E27FC236}">
+                <a16:creationId xmlns:a16="http://schemas.microsoft.com/office/drawing/2014/main" id="{06B66C0C-4BAF-E01D-4CA8-A703043684B0}"/>
+              </a:ext>
+            </a:extLst>
+          </p:cNvPr>
+          <p:cNvSpPr/>
+          <p:nvPr/>
+        </p:nvSpPr>
+        <p:spPr>
+          <a:xfrm flipV="1">
+            <a:off x="2434172" y="5085875"/>
+            <a:ext cx="4276871" cy="45719"/>
+          </a:xfrm>
+          <a:prstGeom prst="rect">
+            <a:avLst/>
+          </a:prstGeom>
+        </p:spPr>
+        <p:style>
+          <a:lnRef idx="1">
+            <a:schemeClr val="accent4"/>
+          </a:lnRef>
+          <a:fillRef idx="2">
+            <a:schemeClr val="accent4"/>
+          </a:fillRef>
+          <a:effectRef idx="1">
+            <a:schemeClr val="accent4"/>
+          </a:effectRef>
+          <a:fontRef idx="minor">
+            <a:schemeClr val="dk1"/>
+          </a:fontRef>
+        </p:style>
+        <p:txBody>
+          <a:bodyPr rtlCol="0" anchor="ctr"/>
+          <a:lstStyle/>
+          <a:p>
+            <a:pPr algn="ctr"/>
+            <a:endParaRPr lang="en-GB"/>
+          </a:p>
+        </p:txBody>
+      </p:sp>
+      <p:sp>
+        <p:nvSpPr>
+          <p:cNvPr id="8" name="Rectangle 7">
+            <a:extLst>
+              <a:ext uri="{FF2B5EF4-FFF2-40B4-BE49-F238E27FC236}">
+                <a16:creationId xmlns:a16="http://schemas.microsoft.com/office/drawing/2014/main" id="{53AFBDB8-E7A3-E147-73EE-598851FB496B}"/>
+              </a:ext>
+            </a:extLst>
+          </p:cNvPr>
+          <p:cNvSpPr/>
+          <p:nvPr/>
+        </p:nvSpPr>
+        <p:spPr>
+          <a:xfrm>
+            <a:off x="6683418" y="4998698"/>
+            <a:ext cx="106582" cy="145142"/>
+          </a:xfrm>
+          <a:prstGeom prst="rect">
+            <a:avLst/>
+          </a:prstGeom>
+          <a:solidFill>
+            <a:schemeClr val="accent2"/>
+          </a:solidFill>
+          <a:ln>
+            <a:noFill/>
+          </a:ln>
+        </p:spPr>
+        <p:style>
+          <a:lnRef idx="2">
+            <a:schemeClr val="accent1">
+              <a:shade val="15000"/>
+            </a:schemeClr>
+          </a:lnRef>
+          <a:fillRef idx="1">
+            <a:schemeClr val="accent1"/>
+          </a:fillRef>
+          <a:effectRef idx="0">
+            <a:schemeClr val="accent1"/>
+          </a:effectRef>
+          <a:fontRef idx="minor">
+            <a:schemeClr val="lt1"/>
+          </a:fontRef>
+        </p:style>
+        <p:txBody>
+          <a:bodyPr rtlCol="0" anchor="ctr"/>
+          <a:lstStyle/>
+          <a:p>
+            <a:pPr algn="ctr"/>
+            <a:endParaRPr lang="en-GB"/>
+          </a:p>
+        </p:txBody>
+      </p:sp>
     </p:spTree>
     <p:extLst>
       <p:ext uri="{BB962C8B-B14F-4D97-AF65-F5344CB8AC3E}">
@@ -9499,69 +10048,6 @@
           <a:chExt cx="0" cy="0"/>
         </a:xfrm>
       </p:grpSpPr>
-      <p:pic>
-        <p:nvPicPr>
-          <p:cNvPr id="783" name="Picture 782" descr="A train on a foggy night&#10;&#10;Description automatically generated">
-            <a:extLst>
-              <a:ext uri="{FF2B5EF4-FFF2-40B4-BE49-F238E27FC236}">
-                <a16:creationId xmlns:a16="http://schemas.microsoft.com/office/drawing/2014/main" id="{46CFAEDD-0360-5F29-9BEE-46B1F8D727F4}"/>
-              </a:ext>
-            </a:extLst>
-          </p:cNvPr>
-          <p:cNvPicPr>
-            <a:picLocks noChangeAspect="1"/>
-          </p:cNvPicPr>
-          <p:nvPr/>
-        </p:nvPicPr>
-        <p:blipFill>
-          <a:blip r:embed="rId3">
-            <a:duotone>
-              <a:schemeClr val="accent5">
-                <a:shade val="45000"/>
-                <a:satMod val="135000"/>
-              </a:schemeClr>
-              <a:prstClr val="white"/>
-            </a:duotone>
-            <a:extLst>
-              <a:ext uri="{BEBA8EAE-BF5A-486C-A8C5-ECC9F3942E4B}">
-                <a14:imgProps xmlns:a14="http://schemas.microsoft.com/office/drawing/2010/main">
-                  <a14:imgLayer r:embed="rId4">
-                    <a14:imgEffect>
-                      <a14:colorTemperature colorTemp="5300"/>
-                    </a14:imgEffect>
-                  </a14:imgLayer>
-                </a14:imgProps>
-              </a:ext>
-            </a:extLst>
-          </a:blip>
-          <a:stretch>
-            <a:fillRect/>
-          </a:stretch>
-        </p:blipFill>
-        <p:spPr>
-          <a:xfrm>
-            <a:off x="432758" y="362977"/>
-            <a:ext cx="8671073" cy="4662020"/>
-          </a:xfrm>
-          <a:prstGeom prst="rect">
-            <a:avLst/>
-          </a:prstGeom>
-          <a:effectLst>
-            <a:glow>
-              <a:schemeClr val="accent1">
-                <a:alpha val="0"/>
-              </a:schemeClr>
-            </a:glow>
-            <a:outerShdw blurRad="1244600" dist="63500" dir="19020000" algn="ctr" rotWithShape="0">
-              <a:srgbClr val="000000">
-                <a:alpha val="43137"/>
-              </a:srgbClr>
-            </a:outerShdw>
-            <a:reflection blurRad="1270000" stA="0" endPos="65000" dist="990600" dir="5400000" sy="-100000" algn="bl" rotWithShape="0"/>
-            <a:softEdge rad="635000"/>
-          </a:effectLst>
-        </p:spPr>
-      </p:pic>
       <p:sp>
         <p:nvSpPr>
           <p:cNvPr id="696" name="Google Shape;696;p30"/>
@@ -10577,6 +11063,95 @@
           </a:p>
         </p:txBody>
       </p:sp>
+      <p:sp>
+        <p:nvSpPr>
+          <p:cNvPr id="10" name="Rectangle 9">
+            <a:extLst>
+              <a:ext uri="{FF2B5EF4-FFF2-40B4-BE49-F238E27FC236}">
+                <a16:creationId xmlns:a16="http://schemas.microsoft.com/office/drawing/2014/main" id="{1F95C93B-5F83-331E-121A-B517D659C0D4}"/>
+              </a:ext>
+            </a:extLst>
+          </p:cNvPr>
+          <p:cNvSpPr/>
+          <p:nvPr/>
+        </p:nvSpPr>
+        <p:spPr>
+          <a:xfrm flipV="1">
+            <a:off x="2434172" y="5085875"/>
+            <a:ext cx="4276871" cy="45719"/>
+          </a:xfrm>
+          <a:prstGeom prst="rect">
+            <a:avLst/>
+          </a:prstGeom>
+        </p:spPr>
+        <p:style>
+          <a:lnRef idx="1">
+            <a:schemeClr val="accent4"/>
+          </a:lnRef>
+          <a:fillRef idx="2">
+            <a:schemeClr val="accent4"/>
+          </a:fillRef>
+          <a:effectRef idx="1">
+            <a:schemeClr val="accent4"/>
+          </a:effectRef>
+          <a:fontRef idx="minor">
+            <a:schemeClr val="dk1"/>
+          </a:fontRef>
+        </p:style>
+        <p:txBody>
+          <a:bodyPr rtlCol="0" anchor="ctr"/>
+          <a:lstStyle/>
+          <a:p>
+            <a:pPr algn="ctr"/>
+            <a:endParaRPr lang="en-GB"/>
+          </a:p>
+        </p:txBody>
+      </p:sp>
+      <p:sp>
+        <p:nvSpPr>
+          <p:cNvPr id="11" name="Rectangle 10">
+            <a:extLst>
+              <a:ext uri="{FF2B5EF4-FFF2-40B4-BE49-F238E27FC236}">
+                <a16:creationId xmlns:a16="http://schemas.microsoft.com/office/drawing/2014/main" id="{8E8C9DB8-6679-7EA8-B793-61BDBE172561}"/>
+              </a:ext>
+            </a:extLst>
+          </p:cNvPr>
+          <p:cNvSpPr/>
+          <p:nvPr/>
+        </p:nvSpPr>
+        <p:spPr>
+          <a:xfrm>
+            <a:off x="2715618" y="4998698"/>
+            <a:ext cx="106582" cy="145142"/>
+          </a:xfrm>
+          <a:prstGeom prst="rect">
+            <a:avLst/>
+          </a:prstGeom>
+          <a:ln/>
+        </p:spPr>
+        <p:style>
+          <a:lnRef idx="2">
+            <a:schemeClr val="accent2"/>
+          </a:lnRef>
+          <a:fillRef idx="1">
+            <a:schemeClr val="lt1"/>
+          </a:fillRef>
+          <a:effectRef idx="0">
+            <a:schemeClr val="accent2"/>
+          </a:effectRef>
+          <a:fontRef idx="minor">
+            <a:schemeClr val="dk1"/>
+          </a:fontRef>
+        </p:style>
+        <p:txBody>
+          <a:bodyPr rtlCol="0" anchor="ctr"/>
+          <a:lstStyle/>
+          <a:p>
+            <a:pPr algn="ctr"/>
+            <a:endParaRPr lang="en-GB"/>
+          </a:p>
+        </p:txBody>
+      </p:sp>
     </p:spTree>
   </p:cSld>
   <p:clrMapOvr>
@@ -10617,7 +11192,7 @@
         <p:spPr>
           <a:xfrm>
             <a:off x="648269" y="1346296"/>
-            <a:ext cx="3229517" cy="2832955"/>
+            <a:ext cx="5919899" cy="3479286"/>
           </a:xfrm>
           <a:prstGeom prst="rect">
             <a:avLst/>
@@ -10642,7 +11217,7 @@
                 </a:solidFill>
                 <a:latin typeface="Fira Sans Condensed" panose="020B0503050000020004" pitchFamily="34" charset="0"/>
               </a:rPr>
-              <a:t>Aligning Project and Business Goals</a:t>
+              <a:t>The model is not a substitute for maintenance scheduling and planning</a:t>
             </a:r>
           </a:p>
           <a:p>
@@ -10651,6 +11226,44 @@
                 <a:spcPct val="150000"/>
               </a:lnSpc>
             </a:pPr>
+            <a:r>
+              <a:rPr lang="en-GB" b="1" dirty="0">
+                <a:solidFill>
+                  <a:schemeClr val="tx2"/>
+                </a:solidFill>
+                <a:latin typeface="Fira Sans Condensed" panose="020B0503050000020004" pitchFamily="34" charset="0"/>
+              </a:rPr>
+              <a:t>The model is not a PR metric </a:t>
+            </a:r>
+          </a:p>
+          <a:p>
+            <a:pPr algn="just">
+              <a:lnSpc>
+                <a:spcPct val="150000"/>
+              </a:lnSpc>
+            </a:pPr>
+            <a:endParaRPr lang="en-GB" b="1" dirty="0">
+              <a:solidFill>
+                <a:schemeClr val="tx2"/>
+              </a:solidFill>
+              <a:latin typeface="Fira Sans Condensed" panose="020B0503050000020004" pitchFamily="34" charset="0"/>
+            </a:endParaRPr>
+          </a:p>
+          <a:p>
+            <a:pPr algn="just">
+              <a:lnSpc>
+                <a:spcPct val="150000"/>
+              </a:lnSpc>
+            </a:pPr>
+            <a:r>
+              <a:rPr lang="en-GB" b="1" dirty="0">
+                <a:solidFill>
+                  <a:schemeClr val="tx2"/>
+                </a:solidFill>
+                <a:latin typeface="Fira Sans Condensed" panose="020B0503050000020004" pitchFamily="34" charset="0"/>
+              </a:rPr>
+              <a:t>The model can help the maintenance team with:</a:t>
+            </a:r>
             <a:endParaRPr lang="en-GB" dirty="0">
               <a:solidFill>
                 <a:schemeClr val="tx2"/>
@@ -10807,6 +11420,95 @@
           </a:p>
         </p:txBody>
       </p:sp>
+      <p:sp>
+        <p:nvSpPr>
+          <p:cNvPr id="9" name="Rectangle 8">
+            <a:extLst>
+              <a:ext uri="{FF2B5EF4-FFF2-40B4-BE49-F238E27FC236}">
+                <a16:creationId xmlns:a16="http://schemas.microsoft.com/office/drawing/2014/main" id="{34080E1E-50DE-CA72-16E0-33B6FF7CF29E}"/>
+              </a:ext>
+            </a:extLst>
+          </p:cNvPr>
+          <p:cNvSpPr/>
+          <p:nvPr/>
+        </p:nvSpPr>
+        <p:spPr>
+          <a:xfrm flipV="1">
+            <a:off x="2434172" y="5085875"/>
+            <a:ext cx="4276871" cy="45719"/>
+          </a:xfrm>
+          <a:prstGeom prst="rect">
+            <a:avLst/>
+          </a:prstGeom>
+        </p:spPr>
+        <p:style>
+          <a:lnRef idx="1">
+            <a:schemeClr val="accent4"/>
+          </a:lnRef>
+          <a:fillRef idx="2">
+            <a:schemeClr val="accent4"/>
+          </a:fillRef>
+          <a:effectRef idx="1">
+            <a:schemeClr val="accent4"/>
+          </a:effectRef>
+          <a:fontRef idx="minor">
+            <a:schemeClr val="dk1"/>
+          </a:fontRef>
+        </p:style>
+        <p:txBody>
+          <a:bodyPr rtlCol="0" anchor="ctr"/>
+          <a:lstStyle/>
+          <a:p>
+            <a:pPr algn="ctr"/>
+            <a:endParaRPr lang="en-GB"/>
+          </a:p>
+        </p:txBody>
+      </p:sp>
+      <p:sp>
+        <p:nvSpPr>
+          <p:cNvPr id="10" name="Rectangle 9">
+            <a:extLst>
+              <a:ext uri="{FF2B5EF4-FFF2-40B4-BE49-F238E27FC236}">
+                <a16:creationId xmlns:a16="http://schemas.microsoft.com/office/drawing/2014/main" id="{D68C54CD-040E-DD3C-B13B-A9A65EF40634}"/>
+              </a:ext>
+            </a:extLst>
+          </p:cNvPr>
+          <p:cNvSpPr/>
+          <p:nvPr/>
+        </p:nvSpPr>
+        <p:spPr>
+          <a:xfrm>
+            <a:off x="3078925" y="4998698"/>
+            <a:ext cx="106582" cy="145142"/>
+          </a:xfrm>
+          <a:prstGeom prst="rect">
+            <a:avLst/>
+          </a:prstGeom>
+          <a:ln/>
+        </p:spPr>
+        <p:style>
+          <a:lnRef idx="2">
+            <a:schemeClr val="accent2"/>
+          </a:lnRef>
+          <a:fillRef idx="1">
+            <a:schemeClr val="lt1"/>
+          </a:fillRef>
+          <a:effectRef idx="0">
+            <a:schemeClr val="accent2"/>
+          </a:effectRef>
+          <a:fontRef idx="minor">
+            <a:schemeClr val="dk1"/>
+          </a:fontRef>
+        </p:style>
+        <p:txBody>
+          <a:bodyPr rtlCol="0" anchor="ctr"/>
+          <a:lstStyle/>
+          <a:p>
+            <a:pPr algn="ctr"/>
+            <a:endParaRPr lang="en-GB"/>
+          </a:p>
+        </p:txBody>
+      </p:sp>
     </p:spTree>
     <p:extLst>
       <p:ext uri="{BB962C8B-B14F-4D97-AF65-F5344CB8AC3E}">
@@ -11112,10 +11814,10 @@
       </p:pic>
       <p:sp>
         <p:nvSpPr>
-          <p:cNvPr id="4" name="TextBox 3">
+          <p:cNvPr id="2" name="TextBox 1">
             <a:extLst>
               <a:ext uri="{FF2B5EF4-FFF2-40B4-BE49-F238E27FC236}">
-                <a16:creationId xmlns:a16="http://schemas.microsoft.com/office/drawing/2014/main" id="{2D955275-1370-C2F6-220E-546F2BCE6A2B}"/>
+                <a16:creationId xmlns:a16="http://schemas.microsoft.com/office/drawing/2014/main" id="{449826AE-9BCA-FD91-27B9-CED017E4DEB9}"/>
               </a:ext>
             </a:extLst>
           </p:cNvPr>
@@ -11125,7 +11827,7 @@
         <p:spPr>
           <a:xfrm>
             <a:off x="648269" y="1346296"/>
-            <a:ext cx="3229517" cy="1351780"/>
+            <a:ext cx="3229517" cy="2644442"/>
           </a:xfrm>
           <a:prstGeom prst="rect">
             <a:avLst/>
@@ -11144,13 +11846,13 @@
               </a:lnSpc>
             </a:pPr>
             <a:r>
-              <a:rPr lang="en-US" dirty="0">
+              <a:rPr lang="en-GB" b="1" dirty="0">
                 <a:solidFill>
-                  <a:schemeClr val="accent4"/>
+                  <a:schemeClr val="tx2"/>
                 </a:solidFill>
                 <a:latin typeface="Fira Sans Condensed" panose="020B0503050000020004" pitchFamily="34" charset="0"/>
               </a:rPr>
-              <a:t>WHY?</a:t>
+              <a:t>Connect to API 2.0</a:t>
             </a:r>
           </a:p>
           <a:p>
@@ -11159,15 +11861,12 @@
                 <a:spcPct val="150000"/>
               </a:lnSpc>
             </a:pPr>
-            <a:r>
-              <a:rPr lang="en-US" dirty="0">
-                <a:solidFill>
-                  <a:schemeClr val="accent4"/>
-                </a:solidFill>
-                <a:latin typeface="Fira Sans Condensed" panose="020B0503050000020004" pitchFamily="34" charset="0"/>
-              </a:rPr>
-              <a:t>Identify common issues</a:t>
-            </a:r>
+            <a:endParaRPr lang="en-GB" dirty="0">
+              <a:solidFill>
+                <a:schemeClr val="tx2"/>
+              </a:solidFill>
+              <a:latin typeface="Fira Sans Condensed" panose="020B0503050000020004" pitchFamily="34" charset="0"/>
+            </a:endParaRPr>
           </a:p>
           <a:p>
             <a:pPr algn="just">
@@ -11176,20 +11875,130 @@
               </a:lnSpc>
             </a:pPr>
             <a:r>
-              <a:rPr lang="en-US" dirty="0">
+              <a:rPr lang="en-GB" dirty="0">
                 <a:solidFill>
-                  <a:schemeClr val="accent4"/>
+                  <a:schemeClr val="tx2"/>
                 </a:solidFill>
                 <a:latin typeface="Fira Sans Condensed" panose="020B0503050000020004" pitchFamily="34" charset="0"/>
               </a:rPr>
-              <a:t>Trend analysis</a:t>
+              <a:t>Pull the relevant information from API</a:t>
             </a:r>
           </a:p>
           <a:p>
-            <a:pPr algn="just">
+            <a:pPr marL="285750" indent="-285750" algn="just">
               <a:lnSpc>
                 <a:spcPct val="150000"/>
               </a:lnSpc>
+              <a:buClr>
+                <a:schemeClr val="bg1">
+                  <a:lumMod val="20000"/>
+                  <a:lumOff val="80000"/>
+                </a:schemeClr>
+              </a:buClr>
+              <a:buFont typeface="Arial" panose="020B0604020202020204" pitchFamily="34" charset="0"/>
+              <a:buChar char="•"/>
+            </a:pPr>
+            <a:r>
+              <a:rPr lang="en-GB" dirty="0">
+                <a:solidFill>
+                  <a:schemeClr val="tx2"/>
+                </a:solidFill>
+                <a:latin typeface="Fira Sans Condensed" panose="020B0503050000020004" pitchFamily="34" charset="0"/>
+              </a:rPr>
+              <a:t>Author ID*</a:t>
+            </a:r>
+          </a:p>
+          <a:p>
+            <a:pPr marL="285750" indent="-285750" algn="just">
+              <a:lnSpc>
+                <a:spcPct val="150000"/>
+              </a:lnSpc>
+              <a:buClr>
+                <a:schemeClr val="bg1">
+                  <a:lumMod val="20000"/>
+                  <a:lumOff val="80000"/>
+                </a:schemeClr>
+              </a:buClr>
+              <a:buFont typeface="Arial" panose="020B0604020202020204" pitchFamily="34" charset="0"/>
+              <a:buChar char="•"/>
+            </a:pPr>
+            <a:r>
+              <a:rPr lang="en-GB" dirty="0">
+                <a:solidFill>
+                  <a:schemeClr val="tx2"/>
+                </a:solidFill>
+                <a:latin typeface="Fira Sans Condensed" panose="020B0503050000020004" pitchFamily="34" charset="0"/>
+              </a:rPr>
+              <a:t>Text</a:t>
+            </a:r>
+          </a:p>
+          <a:p>
+            <a:pPr marL="285750" indent="-285750" algn="just">
+              <a:lnSpc>
+                <a:spcPct val="150000"/>
+              </a:lnSpc>
+              <a:buClr>
+                <a:schemeClr val="bg1">
+                  <a:lumMod val="20000"/>
+                  <a:lumOff val="80000"/>
+                </a:schemeClr>
+              </a:buClr>
+              <a:buFont typeface="Arial" panose="020B0604020202020204" pitchFamily="34" charset="0"/>
+              <a:buChar char="•"/>
+            </a:pPr>
+            <a:r>
+              <a:rPr lang="en-GB" dirty="0">
+                <a:solidFill>
+                  <a:schemeClr val="tx2"/>
+                </a:solidFill>
+                <a:latin typeface="Fira Sans Condensed" panose="020B0503050000020004" pitchFamily="34" charset="0"/>
+              </a:rPr>
+              <a:t>Date</a:t>
+            </a:r>
+          </a:p>
+          <a:p>
+            <a:pPr marL="285750" indent="-285750" algn="just">
+              <a:lnSpc>
+                <a:spcPct val="150000"/>
+              </a:lnSpc>
+              <a:buClr>
+                <a:schemeClr val="bg1">
+                  <a:lumMod val="20000"/>
+                  <a:lumOff val="80000"/>
+                </a:schemeClr>
+              </a:buClr>
+              <a:buFont typeface="Arial" panose="020B0604020202020204" pitchFamily="34" charset="0"/>
+              <a:buChar char="•"/>
+            </a:pPr>
+            <a:r>
+              <a:rPr lang="en-GB" dirty="0">
+                <a:solidFill>
+                  <a:schemeClr val="tx2"/>
+                </a:solidFill>
+                <a:latin typeface="Fira Sans Condensed" panose="020B0503050000020004" pitchFamily="34" charset="0"/>
+              </a:rPr>
+              <a:t>From last day only</a:t>
+            </a:r>
+            <a:endParaRPr lang="en-US" dirty="0">
+              <a:solidFill>
+                <a:schemeClr val="accent4"/>
+              </a:solidFill>
+              <a:latin typeface="Fira Sans Condensed" panose="020B0503050000020004" pitchFamily="34" charset="0"/>
+            </a:endParaRPr>
+          </a:p>
+          <a:p>
+            <a:pPr marL="285750" indent="-285750" algn="just">
+              <a:lnSpc>
+                <a:spcPct val="150000"/>
+              </a:lnSpc>
+              <a:buClr>
+                <a:schemeClr val="bg1">
+                  <a:lumMod val="20000"/>
+                  <a:lumOff val="80000"/>
+                </a:schemeClr>
+              </a:buClr>
+              <a:buFont typeface="Arial" panose="020B0604020202020204" pitchFamily="34" charset="0"/>
+              <a:buChar char="•"/>
             </a:pPr>
             <a:r>
               <a:rPr lang="en-US" dirty="0">
@@ -11198,8 +12007,148 @@
                 </a:solidFill>
                 <a:latin typeface="Fira Sans Condensed" panose="020B0503050000020004" pitchFamily="34" charset="0"/>
               </a:rPr>
-              <a:t>Resource allocation</a:t>
+              <a:t>Original posts</a:t>
             </a:r>
+            <a:endParaRPr lang="en-GB" dirty="0">
+              <a:solidFill>
+                <a:schemeClr val="tx2"/>
+              </a:solidFill>
+              <a:latin typeface="Fira Sans Condensed" panose="020B0503050000020004" pitchFamily="34" charset="0"/>
+            </a:endParaRPr>
+          </a:p>
+        </p:txBody>
+      </p:sp>
+      <p:sp>
+        <p:nvSpPr>
+          <p:cNvPr id="3" name="TextBox 2">
+            <a:extLst>
+              <a:ext uri="{FF2B5EF4-FFF2-40B4-BE49-F238E27FC236}">
+                <a16:creationId xmlns:a16="http://schemas.microsoft.com/office/drawing/2014/main" id="{E315EB30-F9F0-5D20-9D48-12736FB71197}"/>
+              </a:ext>
+            </a:extLst>
+          </p:cNvPr>
+          <p:cNvSpPr txBox="1"/>
+          <p:nvPr/>
+        </p:nvSpPr>
+        <p:spPr>
+          <a:xfrm>
+            <a:off x="720100" y="4188244"/>
+            <a:ext cx="3229517" cy="617861"/>
+          </a:xfrm>
+          <a:prstGeom prst="rect">
+            <a:avLst/>
+          </a:prstGeom>
+          <a:noFill/>
+        </p:spPr>
+        <p:txBody>
+          <a:bodyPr wrap="square" rtlCol="0">
+            <a:spAutoFit/>
+          </a:bodyPr>
+          <a:lstStyle/>
+          <a:p>
+            <a:pPr algn="just">
+              <a:lnSpc>
+                <a:spcPct val="150000"/>
+              </a:lnSpc>
+            </a:pPr>
+            <a:r>
+              <a:rPr lang="en-GB" sz="1200" i="1" dirty="0">
+                <a:solidFill>
+                  <a:schemeClr val="tx2"/>
+                </a:solidFill>
+                <a:latin typeface="Fira Sans Condensed" panose="020B0503050000020004" pitchFamily="34" charset="0"/>
+              </a:rPr>
+              <a:t>* Anonymized. Used only to identify potential troll accounts </a:t>
+            </a:r>
+          </a:p>
+        </p:txBody>
+      </p:sp>
+      <p:sp>
+        <p:nvSpPr>
+          <p:cNvPr id="11" name="Rectangle 10">
+            <a:extLst>
+              <a:ext uri="{FF2B5EF4-FFF2-40B4-BE49-F238E27FC236}">
+                <a16:creationId xmlns:a16="http://schemas.microsoft.com/office/drawing/2014/main" id="{F2E71F94-1B30-ECEC-B7EB-A99E8B78C89C}"/>
+              </a:ext>
+            </a:extLst>
+          </p:cNvPr>
+          <p:cNvSpPr/>
+          <p:nvPr/>
+        </p:nvSpPr>
+        <p:spPr>
+          <a:xfrm flipV="1">
+            <a:off x="2434172" y="5085875"/>
+            <a:ext cx="4276871" cy="45719"/>
+          </a:xfrm>
+          <a:prstGeom prst="rect">
+            <a:avLst/>
+          </a:prstGeom>
+        </p:spPr>
+        <p:style>
+          <a:lnRef idx="1">
+            <a:schemeClr val="accent4"/>
+          </a:lnRef>
+          <a:fillRef idx="2">
+            <a:schemeClr val="accent4"/>
+          </a:fillRef>
+          <a:effectRef idx="1">
+            <a:schemeClr val="accent4"/>
+          </a:effectRef>
+          <a:fontRef idx="minor">
+            <a:schemeClr val="dk1"/>
+          </a:fontRef>
+        </p:style>
+        <p:txBody>
+          <a:bodyPr rtlCol="0" anchor="ctr"/>
+          <a:lstStyle/>
+          <a:p>
+            <a:pPr algn="ctr"/>
+            <a:endParaRPr lang="en-GB"/>
+          </a:p>
+        </p:txBody>
+      </p:sp>
+      <p:sp>
+        <p:nvSpPr>
+          <p:cNvPr id="13" name="Rectangle 12">
+            <a:extLst>
+              <a:ext uri="{FF2B5EF4-FFF2-40B4-BE49-F238E27FC236}">
+                <a16:creationId xmlns:a16="http://schemas.microsoft.com/office/drawing/2014/main" id="{87F938F1-0314-97FF-7620-95BFF0A8F8BA}"/>
+              </a:ext>
+            </a:extLst>
+          </p:cNvPr>
+          <p:cNvSpPr/>
+          <p:nvPr/>
+        </p:nvSpPr>
+        <p:spPr>
+          <a:xfrm>
+            <a:off x="3434070" y="4998698"/>
+            <a:ext cx="106582" cy="145142"/>
+          </a:xfrm>
+          <a:prstGeom prst="rect">
+            <a:avLst/>
+          </a:prstGeom>
+          <a:ln/>
+        </p:spPr>
+        <p:style>
+          <a:lnRef idx="2">
+            <a:schemeClr val="accent2"/>
+          </a:lnRef>
+          <a:fillRef idx="1">
+            <a:schemeClr val="lt1"/>
+          </a:fillRef>
+          <a:effectRef idx="0">
+            <a:schemeClr val="accent2"/>
+          </a:effectRef>
+          <a:fontRef idx="minor">
+            <a:schemeClr val="dk1"/>
+          </a:fontRef>
+        </p:style>
+        <p:txBody>
+          <a:bodyPr rtlCol="0" anchor="ctr"/>
+          <a:lstStyle/>
+          <a:p>
+            <a:pPr algn="ctr"/>
+            <a:endParaRPr lang="en-GB"/>
           </a:p>
         </p:txBody>
       </p:sp>
@@ -11985,6 +12934,95 @@
           </a:p>
         </p:txBody>
       </p:sp>
+      <p:sp>
+        <p:nvSpPr>
+          <p:cNvPr id="9" name="Rectangle 8">
+            <a:extLst>
+              <a:ext uri="{FF2B5EF4-FFF2-40B4-BE49-F238E27FC236}">
+                <a16:creationId xmlns:a16="http://schemas.microsoft.com/office/drawing/2014/main" id="{D75D0F75-C31A-277B-1FA9-BD576FD8BD7B}"/>
+              </a:ext>
+            </a:extLst>
+          </p:cNvPr>
+          <p:cNvSpPr/>
+          <p:nvPr/>
+        </p:nvSpPr>
+        <p:spPr>
+          <a:xfrm flipV="1">
+            <a:off x="2434172" y="5085875"/>
+            <a:ext cx="4276871" cy="45719"/>
+          </a:xfrm>
+          <a:prstGeom prst="rect">
+            <a:avLst/>
+          </a:prstGeom>
+        </p:spPr>
+        <p:style>
+          <a:lnRef idx="1">
+            <a:schemeClr val="accent4"/>
+          </a:lnRef>
+          <a:fillRef idx="2">
+            <a:schemeClr val="accent4"/>
+          </a:fillRef>
+          <a:effectRef idx="1">
+            <a:schemeClr val="accent4"/>
+          </a:effectRef>
+          <a:fontRef idx="minor">
+            <a:schemeClr val="dk1"/>
+          </a:fontRef>
+        </p:style>
+        <p:txBody>
+          <a:bodyPr rtlCol="0" anchor="ctr"/>
+          <a:lstStyle/>
+          <a:p>
+            <a:pPr algn="ctr"/>
+            <a:endParaRPr lang="en-GB"/>
+          </a:p>
+        </p:txBody>
+      </p:sp>
+      <p:sp>
+        <p:nvSpPr>
+          <p:cNvPr id="11" name="Rectangle 10">
+            <a:extLst>
+              <a:ext uri="{FF2B5EF4-FFF2-40B4-BE49-F238E27FC236}">
+                <a16:creationId xmlns:a16="http://schemas.microsoft.com/office/drawing/2014/main" id="{A0886BDD-6564-F614-5E39-833CAC8807AE}"/>
+              </a:ext>
+            </a:extLst>
+          </p:cNvPr>
+          <p:cNvSpPr/>
+          <p:nvPr/>
+        </p:nvSpPr>
+        <p:spPr>
+          <a:xfrm>
+            <a:off x="3801455" y="4998698"/>
+            <a:ext cx="106582" cy="145142"/>
+          </a:xfrm>
+          <a:prstGeom prst="rect">
+            <a:avLst/>
+          </a:prstGeom>
+          <a:ln/>
+        </p:spPr>
+        <p:style>
+          <a:lnRef idx="2">
+            <a:schemeClr val="accent2"/>
+          </a:lnRef>
+          <a:fillRef idx="1">
+            <a:schemeClr val="lt1"/>
+          </a:fillRef>
+          <a:effectRef idx="0">
+            <a:schemeClr val="accent2"/>
+          </a:effectRef>
+          <a:fontRef idx="minor">
+            <a:schemeClr val="dk1"/>
+          </a:fontRef>
+        </p:style>
+        <p:txBody>
+          <a:bodyPr rtlCol="0" anchor="ctr"/>
+          <a:lstStyle/>
+          <a:p>
+            <a:pPr algn="ctr"/>
+            <a:endParaRPr lang="en-GB"/>
+          </a:p>
+        </p:txBody>
+      </p:sp>
     </p:spTree>
     <p:extLst>
       <p:ext uri="{BB962C8B-B14F-4D97-AF65-F5344CB8AC3E}">
@@ -12309,7 +13347,7 @@
         <p:spPr>
           <a:xfrm>
             <a:off x="648269" y="1346296"/>
-            <a:ext cx="3229517" cy="1998111"/>
+            <a:ext cx="3229517" cy="2321276"/>
           </a:xfrm>
           <a:prstGeom prst="rect">
             <a:avLst/>
@@ -12398,6 +13436,30 @@
               <a:t>Focus on areas that can lead to direct action</a:t>
             </a:r>
           </a:p>
+          <a:p>
+            <a:pPr marL="285750" indent="-285750" algn="just">
+              <a:lnSpc>
+                <a:spcPct val="150000"/>
+              </a:lnSpc>
+              <a:buClr>
+                <a:schemeClr val="bg1">
+                  <a:lumMod val="20000"/>
+                  <a:lumOff val="80000"/>
+                </a:schemeClr>
+              </a:buClr>
+              <a:buFont typeface="Arial" panose="020B0604020202020204" pitchFamily="34" charset="0"/>
+              <a:buChar char="•"/>
+            </a:pPr>
+            <a:r>
+              <a:rPr lang="en-US" dirty="0">
+                <a:solidFill>
+                  <a:schemeClr val="accent4"/>
+                </a:solidFill>
+                <a:latin typeface="Fira Sans Condensed" panose="020B0503050000020004" pitchFamily="34" charset="0"/>
+              </a:rPr>
+              <a:t>Delays are caused by outside factors</a:t>
+            </a:r>
+          </a:p>
         </p:txBody>
       </p:sp>
       <p:sp>
@@ -12442,6 +13504,95 @@
               </a:rPr>
               <a:t>* Filter using string matching</a:t>
             </a:r>
+          </a:p>
+        </p:txBody>
+      </p:sp>
+      <p:sp>
+        <p:nvSpPr>
+          <p:cNvPr id="9" name="Rectangle 8">
+            <a:extLst>
+              <a:ext uri="{FF2B5EF4-FFF2-40B4-BE49-F238E27FC236}">
+                <a16:creationId xmlns:a16="http://schemas.microsoft.com/office/drawing/2014/main" id="{AF2F4895-95B2-8D54-028E-9C9EB500CBE7}"/>
+              </a:ext>
+            </a:extLst>
+          </p:cNvPr>
+          <p:cNvSpPr/>
+          <p:nvPr/>
+        </p:nvSpPr>
+        <p:spPr>
+          <a:xfrm flipV="1">
+            <a:off x="2434172" y="5085875"/>
+            <a:ext cx="4276871" cy="45719"/>
+          </a:xfrm>
+          <a:prstGeom prst="rect">
+            <a:avLst/>
+          </a:prstGeom>
+        </p:spPr>
+        <p:style>
+          <a:lnRef idx="1">
+            <a:schemeClr val="accent4"/>
+          </a:lnRef>
+          <a:fillRef idx="2">
+            <a:schemeClr val="accent4"/>
+          </a:fillRef>
+          <a:effectRef idx="1">
+            <a:schemeClr val="accent4"/>
+          </a:effectRef>
+          <a:fontRef idx="minor">
+            <a:schemeClr val="dk1"/>
+          </a:fontRef>
+        </p:style>
+        <p:txBody>
+          <a:bodyPr rtlCol="0" anchor="ctr"/>
+          <a:lstStyle/>
+          <a:p>
+            <a:pPr algn="ctr"/>
+            <a:endParaRPr lang="en-GB"/>
+          </a:p>
+        </p:txBody>
+      </p:sp>
+      <p:sp>
+        <p:nvSpPr>
+          <p:cNvPr id="11" name="Rectangle 10">
+            <a:extLst>
+              <a:ext uri="{FF2B5EF4-FFF2-40B4-BE49-F238E27FC236}">
+                <a16:creationId xmlns:a16="http://schemas.microsoft.com/office/drawing/2014/main" id="{0FF66F85-5B45-ADD8-D1C2-E7E2DFA79237}"/>
+              </a:ext>
+            </a:extLst>
+          </p:cNvPr>
+          <p:cNvSpPr/>
+          <p:nvPr/>
+        </p:nvSpPr>
+        <p:spPr>
+          <a:xfrm>
+            <a:off x="4168847" y="4998698"/>
+            <a:ext cx="106582" cy="145142"/>
+          </a:xfrm>
+          <a:prstGeom prst="rect">
+            <a:avLst/>
+          </a:prstGeom>
+          <a:ln/>
+        </p:spPr>
+        <p:style>
+          <a:lnRef idx="2">
+            <a:schemeClr val="accent2"/>
+          </a:lnRef>
+          <a:fillRef idx="1">
+            <a:schemeClr val="lt1"/>
+          </a:fillRef>
+          <a:effectRef idx="0">
+            <a:schemeClr val="accent2"/>
+          </a:effectRef>
+          <a:fontRef idx="minor">
+            <a:schemeClr val="dk1"/>
+          </a:fontRef>
+        </p:style>
+        <p:txBody>
+          <a:bodyPr rtlCol="0" anchor="ctr"/>
+          <a:lstStyle/>
+          <a:p>
+            <a:pPr algn="ctr"/>
+            <a:endParaRPr lang="en-GB"/>
           </a:p>
         </p:txBody>
       </p:sp>
@@ -12773,7 +13924,7 @@
         <p:spPr>
           <a:xfrm>
             <a:off x="648269" y="1346296"/>
-            <a:ext cx="3229517" cy="1674946"/>
+            <a:ext cx="3229517" cy="1998111"/>
           </a:xfrm>
           <a:prstGeom prst="rect">
             <a:avLst/>
@@ -12859,7 +14010,31 @@
                 </a:solidFill>
                 <a:latin typeface="Fira Sans Condensed" panose="020B0503050000020004" pitchFamily="34" charset="0"/>
               </a:rPr>
-              <a:t>True sentiment capturing</a:t>
+              <a:t>Misinterpreted by models</a:t>
+            </a:r>
+          </a:p>
+          <a:p>
+            <a:pPr marL="285750" indent="-285750" algn="just">
+              <a:lnSpc>
+                <a:spcPct val="150000"/>
+              </a:lnSpc>
+              <a:buClr>
+                <a:schemeClr val="bg1">
+                  <a:lumMod val="20000"/>
+                  <a:lumOff val="80000"/>
+                </a:schemeClr>
+              </a:buClr>
+              <a:buFont typeface="Arial" panose="020B0604020202020204" pitchFamily="34" charset="0"/>
+              <a:buChar char="•"/>
+            </a:pPr>
+            <a:r>
+              <a:rPr lang="en-GB" dirty="0">
+                <a:solidFill>
+                  <a:schemeClr val="tx2"/>
+                </a:solidFill>
+                <a:latin typeface="Fira Sans Condensed" panose="020B0503050000020004" pitchFamily="34" charset="0"/>
+              </a:rPr>
+              <a:t>LLM - True sentiment capturing</a:t>
             </a:r>
           </a:p>
         </p:txBody>
@@ -12924,6 +14099,95 @@
               </a:rPr>
               <a:t> library, irony detection model</a:t>
             </a:r>
+          </a:p>
+        </p:txBody>
+      </p:sp>
+      <p:sp>
+        <p:nvSpPr>
+          <p:cNvPr id="9" name="Rectangle 8">
+            <a:extLst>
+              <a:ext uri="{FF2B5EF4-FFF2-40B4-BE49-F238E27FC236}">
+                <a16:creationId xmlns:a16="http://schemas.microsoft.com/office/drawing/2014/main" id="{85A69949-331D-4F24-F45B-8724BDEF5957}"/>
+              </a:ext>
+            </a:extLst>
+          </p:cNvPr>
+          <p:cNvSpPr/>
+          <p:nvPr/>
+        </p:nvSpPr>
+        <p:spPr>
+          <a:xfrm flipV="1">
+            <a:off x="2434172" y="5085875"/>
+            <a:ext cx="4276871" cy="45719"/>
+          </a:xfrm>
+          <a:prstGeom prst="rect">
+            <a:avLst/>
+          </a:prstGeom>
+        </p:spPr>
+        <p:style>
+          <a:lnRef idx="1">
+            <a:schemeClr val="accent4"/>
+          </a:lnRef>
+          <a:fillRef idx="2">
+            <a:schemeClr val="accent4"/>
+          </a:fillRef>
+          <a:effectRef idx="1">
+            <a:schemeClr val="accent4"/>
+          </a:effectRef>
+          <a:fontRef idx="minor">
+            <a:schemeClr val="dk1"/>
+          </a:fontRef>
+        </p:style>
+        <p:txBody>
+          <a:bodyPr rtlCol="0" anchor="ctr"/>
+          <a:lstStyle/>
+          <a:p>
+            <a:pPr algn="ctr"/>
+            <a:endParaRPr lang="en-GB"/>
+          </a:p>
+        </p:txBody>
+      </p:sp>
+      <p:sp>
+        <p:nvSpPr>
+          <p:cNvPr id="11" name="Rectangle 10">
+            <a:extLst>
+              <a:ext uri="{FF2B5EF4-FFF2-40B4-BE49-F238E27FC236}">
+                <a16:creationId xmlns:a16="http://schemas.microsoft.com/office/drawing/2014/main" id="{6A314146-4B7C-FEDB-B880-A3015BC9BC5B}"/>
+              </a:ext>
+            </a:extLst>
+          </p:cNvPr>
+          <p:cNvSpPr/>
+          <p:nvPr/>
+        </p:nvSpPr>
+        <p:spPr>
+          <a:xfrm>
+            <a:off x="4528081" y="4998698"/>
+            <a:ext cx="106582" cy="145142"/>
+          </a:xfrm>
+          <a:prstGeom prst="rect">
+            <a:avLst/>
+          </a:prstGeom>
+          <a:ln/>
+        </p:spPr>
+        <p:style>
+          <a:lnRef idx="2">
+            <a:schemeClr val="accent2"/>
+          </a:lnRef>
+          <a:fillRef idx="1">
+            <a:schemeClr val="lt1"/>
+          </a:fillRef>
+          <a:effectRef idx="0">
+            <a:schemeClr val="accent2"/>
+          </a:effectRef>
+          <a:fontRef idx="minor">
+            <a:schemeClr val="dk1"/>
+          </a:fontRef>
+        </p:style>
+        <p:txBody>
+          <a:bodyPr rtlCol="0" anchor="ctr"/>
+          <a:lstStyle/>
+          <a:p>
+            <a:pPr algn="ctr"/>
+            <a:endParaRPr lang="en-GB"/>
           </a:p>
         </p:txBody>
       </p:sp>
@@ -13387,6 +14651,95 @@
           </a:p>
         </p:txBody>
       </p:sp>
+      <p:sp>
+        <p:nvSpPr>
+          <p:cNvPr id="9" name="Rectangle 8">
+            <a:extLst>
+              <a:ext uri="{FF2B5EF4-FFF2-40B4-BE49-F238E27FC236}">
+                <a16:creationId xmlns:a16="http://schemas.microsoft.com/office/drawing/2014/main" id="{E06C293C-CF23-1915-F0FC-5A0CA27CFE35}"/>
+              </a:ext>
+            </a:extLst>
+          </p:cNvPr>
+          <p:cNvSpPr/>
+          <p:nvPr/>
+        </p:nvSpPr>
+        <p:spPr>
+          <a:xfrm flipV="1">
+            <a:off x="2434172" y="5085875"/>
+            <a:ext cx="4276871" cy="45719"/>
+          </a:xfrm>
+          <a:prstGeom prst="rect">
+            <a:avLst/>
+          </a:prstGeom>
+        </p:spPr>
+        <p:style>
+          <a:lnRef idx="1">
+            <a:schemeClr val="accent4"/>
+          </a:lnRef>
+          <a:fillRef idx="2">
+            <a:schemeClr val="accent4"/>
+          </a:fillRef>
+          <a:effectRef idx="1">
+            <a:schemeClr val="accent4"/>
+          </a:effectRef>
+          <a:fontRef idx="minor">
+            <a:schemeClr val="dk1"/>
+          </a:fontRef>
+        </p:style>
+        <p:txBody>
+          <a:bodyPr rtlCol="0" anchor="ctr"/>
+          <a:lstStyle/>
+          <a:p>
+            <a:pPr algn="ctr"/>
+            <a:endParaRPr lang="en-GB"/>
+          </a:p>
+        </p:txBody>
+      </p:sp>
+      <p:sp>
+        <p:nvSpPr>
+          <p:cNvPr id="11" name="Rectangle 10">
+            <a:extLst>
+              <a:ext uri="{FF2B5EF4-FFF2-40B4-BE49-F238E27FC236}">
+                <a16:creationId xmlns:a16="http://schemas.microsoft.com/office/drawing/2014/main" id="{4C68E564-8AA8-8B65-5B92-BAF1F0882036}"/>
+              </a:ext>
+            </a:extLst>
+          </p:cNvPr>
+          <p:cNvSpPr/>
+          <p:nvPr/>
+        </p:nvSpPr>
+        <p:spPr>
+          <a:xfrm>
+            <a:off x="4883209" y="4998698"/>
+            <a:ext cx="106582" cy="145142"/>
+          </a:xfrm>
+          <a:prstGeom prst="rect">
+            <a:avLst/>
+          </a:prstGeom>
+          <a:ln/>
+        </p:spPr>
+        <p:style>
+          <a:lnRef idx="2">
+            <a:schemeClr val="accent2"/>
+          </a:lnRef>
+          <a:fillRef idx="1">
+            <a:schemeClr val="lt1"/>
+          </a:fillRef>
+          <a:effectRef idx="0">
+            <a:schemeClr val="accent2"/>
+          </a:effectRef>
+          <a:fontRef idx="minor">
+            <a:schemeClr val="dk1"/>
+          </a:fontRef>
+        </p:style>
+        <p:txBody>
+          <a:bodyPr rtlCol="0" anchor="ctr"/>
+          <a:lstStyle/>
+          <a:p>
+            <a:pPr algn="ctr"/>
+            <a:endParaRPr lang="en-GB"/>
+          </a:p>
+        </p:txBody>
+      </p:sp>
     </p:spTree>
     <p:extLst>
       <p:ext uri="{BB962C8B-B14F-4D97-AF65-F5344CB8AC3E}">
@@ -13727,7 +15080,7 @@
         <p:spPr>
           <a:xfrm>
             <a:off x="648269" y="1346296"/>
-            <a:ext cx="3229517" cy="2321276"/>
+            <a:ext cx="3229517" cy="1998111"/>
           </a:xfrm>
           <a:prstGeom prst="rect">
             <a:avLst/>
@@ -13769,10 +15122,18 @@
             </a:endParaRPr>
           </a:p>
           <a:p>
-            <a:pPr algn="just">
+            <a:pPr marL="285750" indent="-285750" algn="just">
               <a:lnSpc>
                 <a:spcPct val="150000"/>
               </a:lnSpc>
+              <a:buClr>
+                <a:schemeClr val="bg1">
+                  <a:lumMod val="20000"/>
+                  <a:lumOff val="80000"/>
+                </a:schemeClr>
+              </a:buClr>
+              <a:buFont typeface="Arial" panose="020B0604020202020204" pitchFamily="34" charset="0"/>
+              <a:buChar char="•"/>
             </a:pPr>
             <a:r>
               <a:rPr lang="en-GB" dirty="0">
@@ -13781,7 +15142,31 @@
                 </a:solidFill>
                 <a:latin typeface="Fira Sans Condensed" panose="020B0503050000020004" pitchFamily="34" charset="0"/>
               </a:rPr>
-              <a:t>Negative feedback is directly indicative of problems experienced by customers. Focusing on such tweets helps in pinpointing specific issues that need to be addressed.</a:t>
+              <a:t>Indicative of problems experienced by customers. </a:t>
+            </a:r>
+          </a:p>
+          <a:p>
+            <a:pPr marL="285750" indent="-285750" algn="just">
+              <a:lnSpc>
+                <a:spcPct val="150000"/>
+              </a:lnSpc>
+              <a:buClr>
+                <a:schemeClr val="bg1">
+                  <a:lumMod val="20000"/>
+                  <a:lumOff val="80000"/>
+                </a:schemeClr>
+              </a:buClr>
+              <a:buFont typeface="Arial" panose="020B0604020202020204" pitchFamily="34" charset="0"/>
+              <a:buChar char="•"/>
+            </a:pPr>
+            <a:r>
+              <a:rPr lang="en-GB" dirty="0">
+                <a:solidFill>
+                  <a:schemeClr val="tx2"/>
+                </a:solidFill>
+                <a:latin typeface="Fira Sans Condensed" panose="020B0503050000020004" pitchFamily="34" charset="0"/>
+              </a:rPr>
+              <a:t>Helps in specific issues that need to be addressed.</a:t>
             </a:r>
             <a:endParaRPr lang="en-US" dirty="0">
               <a:solidFill>
@@ -13852,6 +15237,95 @@
               </a:rPr>
               <a:t> library, sentiment analysis model</a:t>
             </a:r>
+          </a:p>
+        </p:txBody>
+      </p:sp>
+      <p:sp>
+        <p:nvSpPr>
+          <p:cNvPr id="9" name="Rectangle 8">
+            <a:extLst>
+              <a:ext uri="{FF2B5EF4-FFF2-40B4-BE49-F238E27FC236}">
+                <a16:creationId xmlns:a16="http://schemas.microsoft.com/office/drawing/2014/main" id="{8DB9EEF8-A8D8-754F-B11A-4423559AAA98}"/>
+              </a:ext>
+            </a:extLst>
+          </p:cNvPr>
+          <p:cNvSpPr/>
+          <p:nvPr/>
+        </p:nvSpPr>
+        <p:spPr>
+          <a:xfrm flipV="1">
+            <a:off x="2434172" y="5085875"/>
+            <a:ext cx="4276871" cy="45719"/>
+          </a:xfrm>
+          <a:prstGeom prst="rect">
+            <a:avLst/>
+          </a:prstGeom>
+        </p:spPr>
+        <p:style>
+          <a:lnRef idx="1">
+            <a:schemeClr val="accent4"/>
+          </a:lnRef>
+          <a:fillRef idx="2">
+            <a:schemeClr val="accent4"/>
+          </a:fillRef>
+          <a:effectRef idx="1">
+            <a:schemeClr val="accent4"/>
+          </a:effectRef>
+          <a:fontRef idx="minor">
+            <a:schemeClr val="dk1"/>
+          </a:fontRef>
+        </p:style>
+        <p:txBody>
+          <a:bodyPr rtlCol="0" anchor="ctr"/>
+          <a:lstStyle/>
+          <a:p>
+            <a:pPr algn="ctr"/>
+            <a:endParaRPr lang="en-GB"/>
+          </a:p>
+        </p:txBody>
+      </p:sp>
+      <p:sp>
+        <p:nvSpPr>
+          <p:cNvPr id="11" name="Rectangle 10">
+            <a:extLst>
+              <a:ext uri="{FF2B5EF4-FFF2-40B4-BE49-F238E27FC236}">
+                <a16:creationId xmlns:a16="http://schemas.microsoft.com/office/drawing/2014/main" id="{59E75D15-AFFA-22A7-D64E-C7A62AE247E4}"/>
+              </a:ext>
+            </a:extLst>
+          </p:cNvPr>
+          <p:cNvSpPr/>
+          <p:nvPr/>
+        </p:nvSpPr>
+        <p:spPr>
+          <a:xfrm>
+            <a:off x="5238354" y="4998698"/>
+            <a:ext cx="106582" cy="145142"/>
+          </a:xfrm>
+          <a:prstGeom prst="rect">
+            <a:avLst/>
+          </a:prstGeom>
+          <a:ln/>
+        </p:spPr>
+        <p:style>
+          <a:lnRef idx="2">
+            <a:schemeClr val="accent2"/>
+          </a:lnRef>
+          <a:fillRef idx="1">
+            <a:schemeClr val="lt1"/>
+          </a:fillRef>
+          <a:effectRef idx="0">
+            <a:schemeClr val="accent2"/>
+          </a:effectRef>
+          <a:fontRef idx="minor">
+            <a:schemeClr val="dk1"/>
+          </a:fontRef>
+        </p:style>
+        <p:txBody>
+          <a:bodyPr rtlCol="0" anchor="ctr"/>
+          <a:lstStyle/>
+          <a:p>
+            <a:pPr algn="ctr"/>
+            <a:endParaRPr lang="en-GB"/>
           </a:p>
         </p:txBody>
       </p:sp>
